--- a/최재원 ppt.pptx
+++ b/최재원 ppt.pptx
@@ -2,39 +2,32 @@
 <file path=ppt/presentation.xml><?xml version="1.0" encoding="utf-8"?>
 <p:presentation xmlns:a="http://schemas.openxmlformats.org/drawingml/2006/main" xmlns:r="http://schemas.openxmlformats.org/officeDocument/2006/relationships" xmlns:mc="http://schemas.openxmlformats.org/markup-compatibility/2006" xmlns:mv="urn:schemas-microsoft-com:mac:vml" xmlns:p="http://schemas.openxmlformats.org/presentationml/2006/main" xmlns:c="http://schemas.openxmlformats.org/drawingml/2006/chart" xmlns:dgm="http://schemas.openxmlformats.org/drawingml/2006/diagram" xmlns:o="urn:schemas-microsoft-com:office:office" xmlns:v="urn:schemas-microsoft-com:vml" xmlns:pvml="urn:schemas-microsoft-com:office:powerpoint" xmlns:com="http://schemas.openxmlformats.org/drawingml/2006/compatibility" xmlns:p14="http://schemas.microsoft.com/office/powerpoint/2010/main" xmlns:p15="http://schemas.microsoft.com/office/powerpoint/2012/main" xmlns:ahyp="http://schemas.microsoft.com/office/drawing/2018/hyperlinkcolor" autoCompressPictures="0" embedTrueTypeFonts="1" strictFirstAndLastChars="0" saveSubsetFonts="1">
   <p:sldMasterIdLst>
-    <p:sldMasterId id="2147483659" r:id="rId4"/>
+    <p:sldMasterId id="2147483661" r:id="rId14"/>
   </p:sldMasterIdLst>
   <p:notesMasterIdLst>
-    <p:notesMasterId r:id="rId5"/>
+    <p:notesMasterId r:id="rId16"/>
   </p:notesMasterIdLst>
   <p:sldIdLst>
-    <p:sldId id="256" r:id="rId6"/>
-    <p:sldId id="257" r:id="rId7"/>
-    <p:sldId id="258" r:id="rId8"/>
-    <p:sldId id="259" r:id="rId9"/>
-    <p:sldId id="260" r:id="rId10"/>
-    <p:sldId id="261" r:id="rId11"/>
-    <p:sldId id="262" r:id="rId12"/>
-    <p:sldId id="263" r:id="rId13"/>
-    <p:sldId id="264" r:id="rId14"/>
-    <p:sldId id="265" r:id="rId15"/>
-    <p:sldId id="266" r:id="rId16"/>
-    <p:sldId id="267" r:id="rId17"/>
-    <p:sldId id="268" r:id="rId18"/>
-    <p:sldId id="269" r:id="rId19"/>
-    <p:sldId id="270" r:id="rId20"/>
-    <p:sldId id="271" r:id="rId21"/>
-    <p:sldId id="272" r:id="rId22"/>
+    <p:sldId id="256" r:id="rId18"/>
+    <p:sldId id="257" r:id="rId20"/>
+    <p:sldId id="258" r:id="rId22"/>
+    <p:sldId id="259" r:id="rId24"/>
+    <p:sldId id="260" r:id="rId26"/>
+    <p:sldId id="261" r:id="rId28"/>
+    <p:sldId id="262" r:id="rId29"/>
+    <p:sldId id="263" r:id="rId31"/>
+    <p:sldId id="264" r:id="rId33"/>
+    <p:sldId id="265" r:id="rId35"/>
+    <p:sldId id="266" r:id="rId37"/>
+    <p:sldId id="267" r:id="rId39"/>
+    <p:sldId id="268" r:id="rId41"/>
+    <p:sldId id="269" r:id="rId43"/>
+    <p:sldId id="270" r:id="rId45"/>
+    <p:sldId id="271" r:id="rId47"/>
+    <p:sldId id="272" r:id="rId49"/>
   </p:sldIdLst>
-  <p:sldSz cy="10287000" cx="18288000"/>
+  <p:sldSz cx="18288000" cy="10287000"/>
   <p:notesSz cx="6858000" cy="9144000"/>
-  <p:embeddedFontLst>
-    <p:embeddedFont>
-      <p:font typeface="Inter"/>
-      <p:bold r:id="rId23"/>
-      <p:boldItalic r:id="rId24"/>
-    </p:embeddedFont>
-  </p:embeddedFontLst>
   <p:defaultTextStyle>
     <a:defPPr lvl="0" marR="0" rtl="0" algn="l">
       <a:lnSpc>
@@ -266,13 +259,13 @@
   </p:defaultTextStyle>
   <p:extLst>
     <p:ext uri="{EFAFB233-063F-42B5-8137-9DF3F51BA10A}">
-      <p15:sldGuideLst>
-        <p15:guide id="1" orient="horz" pos="2160">
+      <p15:sldGuideLst xmlns:p15="http://schemas.microsoft.com/office/powerpoint/2012/main">
+        <p15:guide id="1" orient="horz" pos="2159" userDrawn="0">
           <p15:clr>
             <a:srgbClr val="000000"/>
           </p15:clr>
         </p15:guide>
-        <p15:guide id="2" pos="2880">
+        <p15:guide id="2" pos="2879" userDrawn="0">
           <p15:clr>
             <a:srgbClr val="000000"/>
           </p15:clr>
@@ -280,6 +273,13 @@
       </p15:sldGuideLst>
     </p:ext>
   </p:extLst>
+  <p:embeddedFontLst>
+    <p:embeddedFont>
+      <p:font typeface="Inter" panose="" pitchFamily="892730363" charset="976945151"/>
+      <p:bold r:id="rId2"/>
+      <p:boldItalic r:id="rId1"/>
+    </p:embeddedFont>
+  </p:embeddedFontLst>
 </p:presentation>
 </file>
 
@@ -20035,7 +20035,7 @@
         </p:nvCxnSpPr>
         <p:spPr>
           <a:xfrm>
-            <a:off x="1028700" y="1646314"/>
+            <a:off x="1028700" y="1646555"/>
             <a:ext cx="16230600" cy="0"/>
           </a:xfrm>
           <a:prstGeom prst="straightConnector1">
@@ -20055,61 +20055,14 @@
       </p:cxnSp>
       <p:sp>
         <p:nvSpPr>
-          <p:cNvPr id="160" name="Google Shape;160;p18"/>
-          <p:cNvSpPr/>
-          <p:nvPr/>
-        </p:nvSpPr>
-        <p:spPr>
-          <a:xfrm>
-            <a:off x="4378567" y="1738564"/>
-            <a:ext cx="9530866" cy="7725259"/>
-          </a:xfrm>
-          <a:custGeom>
-            <a:rect b="b" l="l" r="r" t="t"/>
-            <a:pathLst>
-              <a:path extrusionOk="0" h="7725259" w="9530866">
-                <a:moveTo>
-                  <a:pt x="0" y="0"/>
-                </a:moveTo>
-                <a:lnTo>
-                  <a:pt x="9530866" y="0"/>
-                </a:lnTo>
-                <a:lnTo>
-                  <a:pt x="9530866" y="7725259"/>
-                </a:lnTo>
-                <a:lnTo>
-                  <a:pt x="0" y="7725259"/>
-                </a:lnTo>
-                <a:lnTo>
-                  <a:pt x="0" y="0"/>
-                </a:lnTo>
-                <a:close/>
-              </a:path>
-            </a:pathLst>
-          </a:custGeom>
-          <a:blipFill rotWithShape="1">
-            <a:blip r:embed="rId3">
-              <a:alphaModFix/>
-            </a:blip>
-            <a:stretch>
-              <a:fillRect b="0" l="0" r="0" t="0"/>
-            </a:stretch>
-          </a:blipFill>
-          <a:ln>
-            <a:noFill/>
-          </a:ln>
-        </p:spPr>
-      </p:sp>
-      <p:sp>
-        <p:nvSpPr>
           <p:cNvPr id="161" name="Google Shape;161;p18"/>
           <p:cNvSpPr txBox="1"/>
           <p:nvPr/>
         </p:nvSpPr>
         <p:spPr>
           <a:xfrm>
-            <a:off x="1896104" y="492225"/>
-            <a:ext cx="5466000" cy="781200"/>
+            <a:off x="1896110" y="492125"/>
+            <a:ext cx="5466080" cy="781050"/>
           </a:xfrm>
           <a:prstGeom prst="rect">
             <a:avLst/>
@@ -20161,8 +20114,8 @@
         </p:nvSpPr>
         <p:spPr>
           <a:xfrm>
-            <a:off x="1028700" y="177263"/>
-            <a:ext cx="718200" cy="1181400"/>
+            <a:off x="1028700" y="177165"/>
+            <a:ext cx="718185" cy="1181100"/>
           </a:xfrm>
           <a:prstGeom prst="rect">
             <a:avLst/>
@@ -20206,11 +20159,55 @@
           </a:p>
         </p:txBody>
       </p:sp>
+      <p:pic>
+        <p:nvPicPr>
+          <p:cNvPr id="163" name="그림 1" descr="/temp/fImage813652522966.png"/>
+          <p:cNvPicPr>
+            <a:picLocks noChangeAspect="1"/>
+          </p:cNvPicPr>
+          <p:nvPr/>
+        </p:nvPicPr>
+        <p:blipFill rotWithShape="1">
+          <a:blip r:embed="rId4" cstate="print">
+            <a:extLst>
+              <a:ext uri="{28A0092B-C50C-407E-A947-70E740481C1C}">
+                <a14:useLocalDpi xmlns:a14="http://schemas.microsoft.com/office/drawing/2010/main" val="0"/>
+              </a:ext>
+            </a:extLst>
+          </a:blip>
+          <a:stretch>
+            <a:fillRect/>
+          </a:stretch>
+        </p:blipFill>
+        <p:spPr>
+          <a:xfrm rot="0">
+            <a:off x="2566035" y="1958975"/>
+            <a:ext cx="13136880" cy="7980045"/>
+          </a:xfrm>
+          <a:prstGeom prst="rect"/>
+          <a:noFill/>
+        </p:spPr>
+      </p:pic>
     </p:spTree>
   </p:cSld>
   <p:clrMapOvr>
     <a:masterClrMapping/>
   </p:clrMapOvr>
+  <mc:AlternateContent xmlns:mc="http://schemas.openxmlformats.org/markup-compatibility/2006">
+    <mc:Choice xmlns:p14="http://schemas.microsoft.com/office/powerpoint/2010/main" Requires="p14">
+      <p:transition spd="slow" p14:dur="2000"/>
+    </mc:Choice>
+    <mc:Fallback>
+      <p:transition spd="slow"/>
+    </mc:Fallback>
+  </mc:AlternateContent>
+  <p:timing>
+    <p:tnLst>
+      <p:par>
+        <p:cTn id="1" dur="indefinite" restart="never" nodeType="tmRoot"/>
+      </p:par>
+    </p:tnLst>
+  </p:timing>
 </p:sld>
 </file>
 
